--- a/src/videos/notebook_overview.pptx
+++ b/src/videos/notebook_overview.pptx
@@ -304,7 +304,7 @@
           <a:p>
             <a:fld id="{0E7CC0F2-DA42-B046-B261-A309B05013EA}" type="datetimeFigureOut">
               <a:rPr lang="en-US" smtClean="0"/>
-              <a:t>10/13/17</a:t>
+              <a:t>11/17/17</a:t>
             </a:fld>
             <a:endParaRPr lang="en-US"/>
           </a:p>
@@ -474,7 +474,7 @@
           <a:p>
             <a:fld id="{0E7CC0F2-DA42-B046-B261-A309B05013EA}" type="datetimeFigureOut">
               <a:rPr lang="en-US" smtClean="0"/>
-              <a:t>10/13/17</a:t>
+              <a:t>11/17/17</a:t>
             </a:fld>
             <a:endParaRPr lang="en-US"/>
           </a:p>
@@ -654,7 +654,7 @@
           <a:p>
             <a:fld id="{0E7CC0F2-DA42-B046-B261-A309B05013EA}" type="datetimeFigureOut">
               <a:rPr lang="en-US" smtClean="0"/>
-              <a:t>10/13/17</a:t>
+              <a:t>11/17/17</a:t>
             </a:fld>
             <a:endParaRPr lang="en-US"/>
           </a:p>
@@ -824,7 +824,7 @@
           <a:p>
             <a:fld id="{0E7CC0F2-DA42-B046-B261-A309B05013EA}" type="datetimeFigureOut">
               <a:rPr lang="en-US" smtClean="0"/>
-              <a:t>10/13/17</a:t>
+              <a:t>11/17/17</a:t>
             </a:fld>
             <a:endParaRPr lang="en-US"/>
           </a:p>
@@ -1070,7 +1070,7 @@
           <a:p>
             <a:fld id="{0E7CC0F2-DA42-B046-B261-A309B05013EA}" type="datetimeFigureOut">
               <a:rPr lang="en-US" smtClean="0"/>
-              <a:t>10/13/17</a:t>
+              <a:t>11/17/17</a:t>
             </a:fld>
             <a:endParaRPr lang="en-US"/>
           </a:p>
@@ -1358,7 +1358,7 @@
           <a:p>
             <a:fld id="{0E7CC0F2-DA42-B046-B261-A309B05013EA}" type="datetimeFigureOut">
               <a:rPr lang="en-US" smtClean="0"/>
-              <a:t>10/13/17</a:t>
+              <a:t>11/17/17</a:t>
             </a:fld>
             <a:endParaRPr lang="en-US"/>
           </a:p>
@@ -1785,7 +1785,7 @@
           <a:p>
             <a:fld id="{0E7CC0F2-DA42-B046-B261-A309B05013EA}" type="datetimeFigureOut">
               <a:rPr lang="en-US" smtClean="0"/>
-              <a:t>10/13/17</a:t>
+              <a:t>11/17/17</a:t>
             </a:fld>
             <a:endParaRPr lang="en-US"/>
           </a:p>
@@ -1903,7 +1903,7 @@
           <a:p>
             <a:fld id="{0E7CC0F2-DA42-B046-B261-A309B05013EA}" type="datetimeFigureOut">
               <a:rPr lang="en-US" smtClean="0"/>
-              <a:t>10/13/17</a:t>
+              <a:t>11/17/17</a:t>
             </a:fld>
             <a:endParaRPr lang="en-US"/>
           </a:p>
@@ -1998,7 +1998,7 @@
           <a:p>
             <a:fld id="{0E7CC0F2-DA42-B046-B261-A309B05013EA}" type="datetimeFigureOut">
               <a:rPr lang="en-US" smtClean="0"/>
-              <a:t>10/13/17</a:t>
+              <a:t>11/17/17</a:t>
             </a:fld>
             <a:endParaRPr lang="en-US"/>
           </a:p>
@@ -2275,7 +2275,7 @@
           <a:p>
             <a:fld id="{0E7CC0F2-DA42-B046-B261-A309B05013EA}" type="datetimeFigureOut">
               <a:rPr lang="en-US" smtClean="0"/>
-              <a:t>10/13/17</a:t>
+              <a:t>11/17/17</a:t>
             </a:fld>
             <a:endParaRPr lang="en-US"/>
           </a:p>
@@ -2528,7 +2528,7 @@
           <a:p>
             <a:fld id="{0E7CC0F2-DA42-B046-B261-A309B05013EA}" type="datetimeFigureOut">
               <a:rPr lang="en-US" smtClean="0"/>
-              <a:t>10/13/17</a:t>
+              <a:t>11/17/17</a:t>
             </a:fld>
             <a:endParaRPr lang="en-US"/>
           </a:p>
@@ -2741,7 +2741,7 @@
           <a:p>
             <a:fld id="{0E7CC0F2-DA42-B046-B261-A309B05013EA}" type="datetimeFigureOut">
               <a:rPr lang="en-US" smtClean="0"/>
-              <a:t>10/13/17</a:t>
+              <a:t>11/17/17</a:t>
             </a:fld>
             <a:endParaRPr lang="en-US"/>
           </a:p>
@@ -3441,18 +3441,11 @@
               </a:rPr>
               <a:t>Interactive Multi-Language Data Analysis using SoS Notebook</a:t>
             </a:r>
-            <a:endParaRPr lang="en-US" dirty="0" smtClean="0">
-              <a:solidFill>
-                <a:schemeClr val="accent1"/>
-              </a:solidFill>
-              <a:latin typeface="Source Sans Pro Light"/>
-              <a:cs typeface="Source Sans Pro Light"/>
-            </a:endParaRPr>
           </a:p>
           <a:p>
             <a:pPr algn="l">
               <a:spcBef>
-                <a:spcPts val="0"/>
+                <a:spcPts val="900"/>
               </a:spcBef>
             </a:pPr>
             <a:r>
@@ -3465,13 +3458,6 @@
               </a:rPr>
               <a:t>An example of bioinformatics data analysis with Python and R</a:t>
             </a:r>
-            <a:endParaRPr lang="en-US" sz="1600" dirty="0" smtClean="0">
-              <a:solidFill>
-                <a:schemeClr val="accent1"/>
-              </a:solidFill>
-              <a:latin typeface="Source Sans Pro Light"/>
-              <a:cs typeface="Source Sans Pro Light"/>
-            </a:endParaRPr>
           </a:p>
         </p:txBody>
       </p:sp>
